--- a/Slides/12_Architecture_TrainingPlan.pptx
+++ b/Slides/12_Architecture_TrainingPlan.pptx
@@ -224,7 +224,7 @@
           <a:p>
             <a:fld id="{4137A97C-D894-46E7-B5B8-E9DF4B14B99A}" type="datetimeFigureOut">
               <a:rPr lang="en-US" smtClean="0"/>
-              <a:t>1/20/2018</a:t>
+              <a:t>2/4/2018</a:t>
             </a:fld>
             <a:endParaRPr lang="en-US"/>
           </a:p>
@@ -4352,7 +4352,7 @@
           <a:p>
             <a:fld id="{96FB5D56-0812-4ED5-8B52-3D0DCBF578CB}" type="datetimeFigureOut">
               <a:rPr lang="en-US" smtClean="0"/>
-              <a:t>1/20/2018</a:t>
+              <a:t>2/4/2018</a:t>
             </a:fld>
             <a:endParaRPr lang="en-US"/>
           </a:p>
@@ -4627,7 +4627,7 @@
           <a:p>
             <a:fld id="{96FB5D56-0812-4ED5-8B52-3D0DCBF578CB}" type="datetimeFigureOut">
               <a:rPr lang="en-US" smtClean="0"/>
-              <a:t>1/20/2018</a:t>
+              <a:t>2/4/2018</a:t>
             </a:fld>
             <a:endParaRPr lang="en-US"/>
           </a:p>
@@ -4821,7 +4821,7 @@
           <a:p>
             <a:fld id="{96FB5D56-0812-4ED5-8B52-3D0DCBF578CB}" type="datetimeFigureOut">
               <a:rPr lang="en-US" smtClean="0"/>
-              <a:t>1/20/2018</a:t>
+              <a:t>2/4/2018</a:t>
             </a:fld>
             <a:endParaRPr lang="en-US"/>
           </a:p>
@@ -5094,7 +5094,7 @@
           <a:p>
             <a:fld id="{96FB5D56-0812-4ED5-8B52-3D0DCBF578CB}" type="datetimeFigureOut">
               <a:rPr lang="en-US" smtClean="0"/>
-              <a:t>1/20/2018</a:t>
+              <a:t>2/4/2018</a:t>
             </a:fld>
             <a:endParaRPr lang="en-US"/>
           </a:p>
@@ -5435,7 +5435,7 @@
           <a:p>
             <a:fld id="{96FB5D56-0812-4ED5-8B52-3D0DCBF578CB}" type="datetimeFigureOut">
               <a:rPr lang="en-US" smtClean="0"/>
-              <a:t>1/20/2018</a:t>
+              <a:t>2/4/2018</a:t>
             </a:fld>
             <a:endParaRPr lang="en-US"/>
           </a:p>
@@ -6058,7 +6058,7 @@
           <a:p>
             <a:fld id="{96FB5D56-0812-4ED5-8B52-3D0DCBF578CB}" type="datetimeFigureOut">
               <a:rPr lang="en-US" smtClean="0"/>
-              <a:t>1/20/2018</a:t>
+              <a:t>2/4/2018</a:t>
             </a:fld>
             <a:endParaRPr lang="en-US"/>
           </a:p>
@@ -6918,7 +6918,7 @@
           <a:p>
             <a:fld id="{96FB5D56-0812-4ED5-8B52-3D0DCBF578CB}" type="datetimeFigureOut">
               <a:rPr lang="en-US" smtClean="0"/>
-              <a:t>1/20/2018</a:t>
+              <a:t>2/4/2018</a:t>
             </a:fld>
             <a:endParaRPr lang="en-US"/>
           </a:p>
@@ -7088,7 +7088,7 @@
           <a:p>
             <a:fld id="{96FB5D56-0812-4ED5-8B52-3D0DCBF578CB}" type="datetimeFigureOut">
               <a:rPr lang="en-US" smtClean="0"/>
-              <a:t>1/20/2018</a:t>
+              <a:t>2/4/2018</a:t>
             </a:fld>
             <a:endParaRPr lang="en-US"/>
           </a:p>
@@ -7268,7 +7268,7 @@
           <a:p>
             <a:fld id="{96FB5D56-0812-4ED5-8B52-3D0DCBF578CB}" type="datetimeFigureOut">
               <a:rPr lang="en-US" smtClean="0"/>
-              <a:t>1/20/2018</a:t>
+              <a:t>2/4/2018</a:t>
             </a:fld>
             <a:endParaRPr lang="en-US"/>
           </a:p>
@@ -7438,7 +7438,7 @@
           <a:p>
             <a:fld id="{96FB5D56-0812-4ED5-8B52-3D0DCBF578CB}" type="datetimeFigureOut">
               <a:rPr lang="en-US" smtClean="0"/>
-              <a:t>1/20/2018</a:t>
+              <a:t>2/4/2018</a:t>
             </a:fld>
             <a:endParaRPr lang="en-US"/>
           </a:p>
@@ -7685,7 +7685,7 @@
           <a:p>
             <a:fld id="{96FB5D56-0812-4ED5-8B52-3D0DCBF578CB}" type="datetimeFigureOut">
               <a:rPr lang="en-US" smtClean="0"/>
-              <a:t>1/20/2018</a:t>
+              <a:t>2/4/2018</a:t>
             </a:fld>
             <a:endParaRPr lang="en-US"/>
           </a:p>
@@ -7977,7 +7977,7 @@
           <a:p>
             <a:fld id="{96FB5D56-0812-4ED5-8B52-3D0DCBF578CB}" type="datetimeFigureOut">
               <a:rPr lang="en-US" smtClean="0"/>
-              <a:t>1/20/2018</a:t>
+              <a:t>2/4/2018</a:t>
             </a:fld>
             <a:endParaRPr lang="en-US"/>
           </a:p>
@@ -8421,7 +8421,7 @@
           <a:p>
             <a:fld id="{96FB5D56-0812-4ED5-8B52-3D0DCBF578CB}" type="datetimeFigureOut">
               <a:rPr lang="en-US" smtClean="0"/>
-              <a:t>1/20/2018</a:t>
+              <a:t>2/4/2018</a:t>
             </a:fld>
             <a:endParaRPr lang="en-US"/>
           </a:p>
@@ -8539,7 +8539,7 @@
           <a:p>
             <a:fld id="{96FB5D56-0812-4ED5-8B52-3D0DCBF578CB}" type="datetimeFigureOut">
               <a:rPr lang="en-US" smtClean="0"/>
-              <a:t>1/20/2018</a:t>
+              <a:t>2/4/2018</a:t>
             </a:fld>
             <a:endParaRPr lang="en-US"/>
           </a:p>
@@ -8634,7 +8634,7 @@
           <a:p>
             <a:fld id="{96FB5D56-0812-4ED5-8B52-3D0DCBF578CB}" type="datetimeFigureOut">
               <a:rPr lang="en-US" smtClean="0"/>
-              <a:t>1/20/2018</a:t>
+              <a:t>2/4/2018</a:t>
             </a:fld>
             <a:endParaRPr lang="en-US"/>
           </a:p>
@@ -8913,7 +8913,7 @@
           <a:p>
             <a:fld id="{96FB5D56-0812-4ED5-8B52-3D0DCBF578CB}" type="datetimeFigureOut">
               <a:rPr lang="en-US" smtClean="0"/>
-              <a:t>1/20/2018</a:t>
+              <a:t>2/4/2018</a:t>
             </a:fld>
             <a:endParaRPr lang="en-US"/>
           </a:p>
@@ -9188,7 +9188,7 @@
           <a:p>
             <a:fld id="{96FB5D56-0812-4ED5-8B52-3D0DCBF578CB}" type="datetimeFigureOut">
               <a:rPr lang="en-US" smtClean="0"/>
-              <a:t>1/20/2018</a:t>
+              <a:t>2/4/2018</a:t>
             </a:fld>
             <a:endParaRPr lang="en-US"/>
           </a:p>
@@ -9617,7 +9617,7 @@
           <a:p>
             <a:fld id="{96FB5D56-0812-4ED5-8B52-3D0DCBF578CB}" type="datetimeFigureOut">
               <a:rPr lang="en-US" smtClean="0"/>
-              <a:t>1/20/2018</a:t>
+              <a:t>2/4/2018</a:t>
             </a:fld>
             <a:endParaRPr lang="en-US"/>
           </a:p>
@@ -12117,6 +12117,36 @@
           </a:p>
         </p:txBody>
       </p:sp>
+      <p:pic>
+        <p:nvPicPr>
+          <p:cNvPr id="4" name="Picture 3"/>
+          <p:cNvPicPr>
+            <a:picLocks noChangeAspect="1"/>
+          </p:cNvPicPr>
+          <p:nvPr/>
+        </p:nvPicPr>
+        <p:blipFill>
+          <a:blip r:embed="rId3">
+            <a:extLst>
+              <a:ext uri="{28A0092B-C50C-407E-A947-70E740481C1C}">
+                <a14:useLocalDpi xmlns:a14="http://schemas.microsoft.com/office/drawing/2010/main" val="0"/>
+              </a:ext>
+            </a:extLst>
+          </a:blip>
+          <a:stretch>
+            <a:fillRect/>
+          </a:stretch>
+        </p:blipFill>
+        <p:spPr>
+          <a:xfrm>
+            <a:off x="7950200" y="1447800"/>
+            <a:ext cx="3571240" cy="4529836"/>
+          </a:xfrm>
+          <a:prstGeom prst="rect">
+            <a:avLst/>
+          </a:prstGeom>
+        </p:spPr>
+      </p:pic>
     </p:spTree>
     <p:extLst>
       <p:ext uri="{BB962C8B-B14F-4D97-AF65-F5344CB8AC3E}">
@@ -12171,7 +12201,7 @@
           <a:p>
             <a:r>
               <a:rPr lang="en-US" dirty="0" smtClean="0"/>
-              <a:t>REVIEW GAME</a:t>
+              <a:t>QUICK REVIEW</a:t>
             </a:r>
             <a:endParaRPr lang="en-US" dirty="0"/>
           </a:p>
@@ -12200,6 +12230,36 @@
           </a:p>
         </p:txBody>
       </p:sp>
+      <p:pic>
+        <p:nvPicPr>
+          <p:cNvPr id="4" name="Picture 3"/>
+          <p:cNvPicPr>
+            <a:picLocks noChangeAspect="1"/>
+          </p:cNvPicPr>
+          <p:nvPr/>
+        </p:nvPicPr>
+        <p:blipFill>
+          <a:blip r:embed="rId3">
+            <a:extLst>
+              <a:ext uri="{28A0092B-C50C-407E-A947-70E740481C1C}">
+                <a14:useLocalDpi xmlns:a14="http://schemas.microsoft.com/office/drawing/2010/main" val="0"/>
+              </a:ext>
+            </a:extLst>
+          </a:blip>
+          <a:stretch>
+            <a:fillRect/>
+          </a:stretch>
+        </p:blipFill>
+        <p:spPr>
+          <a:xfrm>
+            <a:off x="8168603" y="1172656"/>
+            <a:ext cx="3624020" cy="5461159"/>
+          </a:xfrm>
+          <a:prstGeom prst="rect">
+            <a:avLst/>
+          </a:prstGeom>
+        </p:spPr>
+      </p:pic>
     </p:spTree>
     <p:extLst>
       <p:ext uri="{BB962C8B-B14F-4D97-AF65-F5344CB8AC3E}">
